--- a/Microprocessor.pptx
+++ b/Microprocessor.pptx
@@ -17,6 +17,11 @@
     <p:sldId id="265" r:id="rId11"/>
     <p:sldId id="266" r:id="rId12"/>
     <p:sldId id="267" r:id="rId13"/>
+    <p:sldId id="268" r:id="rId14"/>
+    <p:sldId id="272" r:id="rId15"/>
+    <p:sldId id="269" r:id="rId16"/>
+    <p:sldId id="270" r:id="rId17"/>
+    <p:sldId id="271" r:id="rId18"/>
   </p:sldIdLst>
   <p:sldSz cx="12192000" cy="6858000"/>
   <p:notesSz cx="6858000" cy="9144000"/>
@@ -115,6 +120,11 @@
       </a:defRPr>
     </a:lvl9pPr>
   </p:defaultTextStyle>
+  <p:extLst>
+    <p:ext uri="{EFAFB233-063F-42B5-8137-9DF3F51BA10A}">
+      <p15:sldGuideLst xmlns:p15="http://schemas.microsoft.com/office/powerpoint/2012/main"/>
+    </p:ext>
+  </p:extLst>
 </p:presentation>
 </file>
 
@@ -249,7 +259,7 @@
           <a:p>
             <a:fld id="{3FE91EA5-8673-4E5E-8058-D00C67A8A985}" type="datetimeFigureOut">
               <a:rPr lang="en-US" smtClean="0"/>
-              <a:t>3/12/2018</a:t>
+              <a:t>3/15/2018</a:t>
             </a:fld>
             <a:endParaRPr lang="en-US"/>
           </a:p>
@@ -419,7 +429,7 @@
           <a:p>
             <a:fld id="{3FE91EA5-8673-4E5E-8058-D00C67A8A985}" type="datetimeFigureOut">
               <a:rPr lang="en-US" smtClean="0"/>
-              <a:t>3/12/2018</a:t>
+              <a:t>3/15/2018</a:t>
             </a:fld>
             <a:endParaRPr lang="en-US"/>
           </a:p>
@@ -599,7 +609,7 @@
           <a:p>
             <a:fld id="{3FE91EA5-8673-4E5E-8058-D00C67A8A985}" type="datetimeFigureOut">
               <a:rPr lang="en-US" smtClean="0"/>
-              <a:t>3/12/2018</a:t>
+              <a:t>3/15/2018</a:t>
             </a:fld>
             <a:endParaRPr lang="en-US"/>
           </a:p>
@@ -769,7 +779,7 @@
           <a:p>
             <a:fld id="{3FE91EA5-8673-4E5E-8058-D00C67A8A985}" type="datetimeFigureOut">
               <a:rPr lang="en-US" smtClean="0"/>
-              <a:t>3/12/2018</a:t>
+              <a:t>3/15/2018</a:t>
             </a:fld>
             <a:endParaRPr lang="en-US"/>
           </a:p>
@@ -1015,7 +1025,7 @@
           <a:p>
             <a:fld id="{3FE91EA5-8673-4E5E-8058-D00C67A8A985}" type="datetimeFigureOut">
               <a:rPr lang="en-US" smtClean="0"/>
-              <a:t>3/12/2018</a:t>
+              <a:t>3/15/2018</a:t>
             </a:fld>
             <a:endParaRPr lang="en-US"/>
           </a:p>
@@ -1247,7 +1257,7 @@
           <a:p>
             <a:fld id="{3FE91EA5-8673-4E5E-8058-D00C67A8A985}" type="datetimeFigureOut">
               <a:rPr lang="en-US" smtClean="0"/>
-              <a:t>3/12/2018</a:t>
+              <a:t>3/15/2018</a:t>
             </a:fld>
             <a:endParaRPr lang="en-US"/>
           </a:p>
@@ -1614,7 +1624,7 @@
           <a:p>
             <a:fld id="{3FE91EA5-8673-4E5E-8058-D00C67A8A985}" type="datetimeFigureOut">
               <a:rPr lang="en-US" smtClean="0"/>
-              <a:t>3/12/2018</a:t>
+              <a:t>3/15/2018</a:t>
             </a:fld>
             <a:endParaRPr lang="en-US"/>
           </a:p>
@@ -1732,7 +1742,7 @@
           <a:p>
             <a:fld id="{3FE91EA5-8673-4E5E-8058-D00C67A8A985}" type="datetimeFigureOut">
               <a:rPr lang="en-US" smtClean="0"/>
-              <a:t>3/12/2018</a:t>
+              <a:t>3/15/2018</a:t>
             </a:fld>
             <a:endParaRPr lang="en-US"/>
           </a:p>
@@ -1827,7 +1837,7 @@
           <a:p>
             <a:fld id="{3FE91EA5-8673-4E5E-8058-D00C67A8A985}" type="datetimeFigureOut">
               <a:rPr lang="en-US" smtClean="0"/>
-              <a:t>3/12/2018</a:t>
+              <a:t>3/15/2018</a:t>
             </a:fld>
             <a:endParaRPr lang="en-US"/>
           </a:p>
@@ -2104,7 +2114,7 @@
           <a:p>
             <a:fld id="{3FE91EA5-8673-4E5E-8058-D00C67A8A985}" type="datetimeFigureOut">
               <a:rPr lang="en-US" smtClean="0"/>
-              <a:t>3/12/2018</a:t>
+              <a:t>3/15/2018</a:t>
             </a:fld>
             <a:endParaRPr lang="en-US"/>
           </a:p>
@@ -2357,7 +2367,7 @@
           <a:p>
             <a:fld id="{3FE91EA5-8673-4E5E-8058-D00C67A8A985}" type="datetimeFigureOut">
               <a:rPr lang="en-US" smtClean="0"/>
-              <a:t>3/12/2018</a:t>
+              <a:t>3/15/2018</a:t>
             </a:fld>
             <a:endParaRPr lang="en-US"/>
           </a:p>
@@ -2570,7 +2580,7 @@
           <a:p>
             <a:fld id="{3FE91EA5-8673-4E5E-8058-D00C67A8A985}" type="datetimeFigureOut">
               <a:rPr lang="en-US" smtClean="0"/>
-              <a:t>3/12/2018</a:t>
+              <a:t>3/15/2018</a:t>
             </a:fld>
             <a:endParaRPr lang="en-US"/>
           </a:p>
@@ -3219,10 +3229,113 @@
           </a:xfrm>
         </p:spPr>
         <p:txBody>
-          <a:bodyPr/>
-          <a:lstStyle/>
-          <a:p>
-            <a:endParaRPr lang="en-US" dirty="0"/>
+          <a:bodyPr>
+            <a:normAutofit fontScale="92500" lnSpcReduction="20000"/>
+          </a:bodyPr>
+          <a:lstStyle/>
+          <a:p>
+            <a:r>
+              <a:rPr lang="en-US" dirty="0"/>
+              <a:t>It is 16 bit processor</a:t>
+            </a:r>
+            <a:r>
+              <a:rPr lang="en-US" dirty="0" smtClean="0"/>
+              <a:t>.</a:t>
+            </a:r>
+          </a:p>
+          <a:p>
+            <a:r>
+              <a:rPr lang="en-US" dirty="0" smtClean="0"/>
+              <a:t> </a:t>
+            </a:r>
+            <a:r>
+              <a:rPr lang="en-US" dirty="0"/>
+              <a:t>It has 24 bit address </a:t>
+            </a:r>
+            <a:r>
+              <a:rPr lang="en-US" dirty="0" smtClean="0"/>
+              <a:t>lines.</a:t>
+            </a:r>
+          </a:p>
+          <a:p>
+            <a:r>
+              <a:rPr lang="en-US" dirty="0" smtClean="0"/>
+              <a:t>It </a:t>
+            </a:r>
+            <a:r>
+              <a:rPr lang="en-US" dirty="0"/>
+              <a:t>can access 16 MB of physical </a:t>
+            </a:r>
+            <a:r>
+              <a:rPr lang="en-US" dirty="0" smtClean="0"/>
+              <a:t>memory.</a:t>
+            </a:r>
+          </a:p>
+          <a:p>
+            <a:r>
+              <a:rPr lang="en-US" dirty="0" smtClean="0"/>
+              <a:t>It </a:t>
+            </a:r>
+            <a:r>
+              <a:rPr lang="en-US" dirty="0"/>
+              <a:t>is available in various versions that run on 12.5 MHz, 10 MHz and 8 MHz clock </a:t>
+            </a:r>
+            <a:r>
+              <a:rPr lang="en-US" dirty="0" smtClean="0"/>
+              <a:t>frequencies.</a:t>
+            </a:r>
+          </a:p>
+          <a:p>
+            <a:r>
+              <a:rPr lang="en-US" dirty="0" smtClean="0"/>
+              <a:t>80286 </a:t>
+            </a:r>
+            <a:r>
+              <a:rPr lang="en-US" dirty="0"/>
+              <a:t>is upwardly compatible with 8086 in terms of instruction </a:t>
+            </a:r>
+            <a:r>
+              <a:rPr lang="en-US" dirty="0" smtClean="0"/>
+              <a:t>set.</a:t>
+            </a:r>
+          </a:p>
+          <a:p>
+            <a:r>
+              <a:rPr lang="en-US" dirty="0" smtClean="0"/>
+              <a:t>Memory </a:t>
+            </a:r>
+            <a:r>
+              <a:rPr lang="en-US" dirty="0"/>
+              <a:t>management and concepts of virtual memory is introduced in </a:t>
+            </a:r>
+            <a:r>
+              <a:rPr lang="en-US" dirty="0" smtClean="0"/>
+              <a:t>80286.</a:t>
+            </a:r>
+          </a:p>
+          <a:p>
+            <a:r>
+              <a:rPr lang="en-US" dirty="0" smtClean="0"/>
+              <a:t>Intel’s </a:t>
+            </a:r>
+            <a:r>
+              <a:rPr lang="en-US" dirty="0"/>
+              <a:t>80286 is the first CPU to incorporate the integrated memory management unit.</a:t>
+            </a:r>
+            <a:br>
+              <a:rPr lang="en-US" dirty="0"/>
+            </a:br>
+            <a:r>
+              <a:rPr lang="en-US" dirty="0"/>
+              <a:t/>
+            </a:r>
+            <a:br>
+              <a:rPr lang="en-US" dirty="0"/>
+            </a:br>
+            <a:r>
+              <a:rPr lang="en-US" dirty="0"/>
+              <a:t> </a:t>
+            </a:r>
           </a:p>
         </p:txBody>
       </p:sp>
@@ -3335,6 +3448,100 @@
           <a:bodyPr/>
           <a:lstStyle/>
           <a:p>
+            <a:r>
+              <a:rPr lang="en-US" dirty="0"/>
+              <a:t>8, 16, 32-Bit Data </a:t>
+            </a:r>
+            <a:r>
+              <a:rPr lang="en-US" dirty="0" smtClean="0"/>
+              <a:t>Types.</a:t>
+            </a:r>
+          </a:p>
+          <a:p>
+            <a:r>
+              <a:rPr lang="en-US" dirty="0" smtClean="0"/>
+              <a:t>8 </a:t>
+            </a:r>
+            <a:r>
+              <a:rPr lang="en-US" dirty="0"/>
+              <a:t>General Purpose 32-Bit </a:t>
+            </a:r>
+            <a:r>
+              <a:rPr lang="en-US" dirty="0" smtClean="0"/>
+              <a:t>Registers.</a:t>
+            </a:r>
+            <a:endParaRPr lang="en-US" dirty="0"/>
+          </a:p>
+          <a:p>
+            <a:r>
+              <a:rPr lang="en-US" dirty="0"/>
+              <a:t>Very Large Address </a:t>
+            </a:r>
+            <a:r>
+              <a:rPr lang="en-US" dirty="0" smtClean="0"/>
+              <a:t>Space(4 </a:t>
+            </a:r>
+            <a:r>
+              <a:rPr lang="en-US" dirty="0"/>
+              <a:t>Gigabyte </a:t>
+            </a:r>
+            <a:r>
+              <a:rPr lang="en-US" dirty="0" smtClean="0"/>
+              <a:t>Physical,64 </a:t>
+            </a:r>
+            <a:r>
+              <a:rPr lang="en-US" dirty="0"/>
+              <a:t>Terabyte </a:t>
+            </a:r>
+            <a:r>
+              <a:rPr lang="en-US" dirty="0" smtClean="0"/>
+              <a:t>Virtual,4 </a:t>
+            </a:r>
+            <a:r>
+              <a:rPr lang="en-US" dirty="0"/>
+              <a:t>Gigabyte Maximum Segment </a:t>
+            </a:r>
+            <a:r>
+              <a:rPr lang="en-US" dirty="0" smtClean="0"/>
+              <a:t>Size).</a:t>
+            </a:r>
+          </a:p>
+          <a:p>
+            <a:r>
+              <a:rPr lang="en-US" dirty="0" smtClean="0"/>
+              <a:t>20</a:t>
+            </a:r>
+            <a:r>
+              <a:rPr lang="en-US" dirty="0"/>
+              <a:t>, 25 and 33 MHz </a:t>
+            </a:r>
+            <a:r>
+              <a:rPr lang="en-US" dirty="0" smtClean="0"/>
+              <a:t>Clock.</a:t>
+            </a:r>
+          </a:p>
+          <a:p>
+            <a:r>
+              <a:rPr lang="en-US" dirty="0" smtClean="0"/>
+              <a:t>40</a:t>
+            </a:r>
+            <a:r>
+              <a:rPr lang="en-US" dirty="0"/>
+              <a:t>, 50 and 66 Megabytes/Sec Bus </a:t>
+            </a:r>
+            <a:r>
+              <a:rPr lang="en-US" dirty="0" smtClean="0"/>
+              <a:t>Bandwidth.</a:t>
+            </a:r>
+            <a:endParaRPr lang="en-US" dirty="0"/>
+          </a:p>
+          <a:p>
+            <a:pPr marL="0" lvl="0" indent="0">
+              <a:buNone/>
+            </a:pPr>
+            <a:endParaRPr lang="en-US" dirty="0"/>
+          </a:p>
+          <a:p>
             <a:pPr marL="0" indent="0">
               <a:buNone/>
             </a:pPr>
@@ -3446,6 +3653,210 @@
           <a:bodyPr/>
           <a:lstStyle/>
           <a:p>
+            <a:r>
+              <a:rPr lang="en-US" spc="-80" dirty="0">
+                <a:latin typeface="Georgia"/>
+                <a:cs typeface="Georgia"/>
+              </a:rPr>
+              <a:t>32-bit </a:t>
+            </a:r>
+            <a:r>
+              <a:rPr lang="en-US" spc="-15" dirty="0">
+                <a:latin typeface="Georgia"/>
+                <a:cs typeface="Georgia"/>
+              </a:rPr>
+              <a:t>high </a:t>
+            </a:r>
+            <a:r>
+              <a:rPr lang="en-US" spc="-40" dirty="0">
+                <a:latin typeface="Georgia"/>
+                <a:cs typeface="Georgia"/>
+              </a:rPr>
+              <a:t>performance </a:t>
+            </a:r>
+            <a:r>
+              <a:rPr lang="en-US" spc="-40" dirty="0" smtClean="0">
+                <a:latin typeface="Georgia"/>
+                <a:cs typeface="Georgia"/>
+              </a:rPr>
+              <a:t>microprocessor.</a:t>
+            </a:r>
+            <a:endParaRPr lang="en-US" dirty="0">
+              <a:latin typeface="Georgia"/>
+              <a:cs typeface="Georgia"/>
+            </a:endParaRPr>
+          </a:p>
+          <a:p>
+            <a:r>
+              <a:rPr lang="en-US" dirty="0" smtClean="0"/>
+              <a:t>40 </a:t>
+            </a:r>
+            <a:r>
+              <a:rPr lang="en-US" dirty="0"/>
+              <a:t>million </a:t>
+            </a:r>
+            <a:r>
+              <a:rPr lang="en-US" dirty="0" smtClean="0"/>
+              <a:t>instructions per second.</a:t>
+            </a:r>
+          </a:p>
+          <a:p>
+            <a:r>
+              <a:rPr lang="en-US" dirty="0"/>
+              <a:t>50 </a:t>
+            </a:r>
+            <a:r>
+              <a:rPr lang="en-US" dirty="0" smtClean="0"/>
+              <a:t>MIPS(</a:t>
+            </a:r>
+            <a:r>
+              <a:rPr lang="en-US" b="1" dirty="0"/>
+              <a:t>Million Instructions Per Second</a:t>
+            </a:r>
+            <a:r>
+              <a:rPr lang="en-US" dirty="0" smtClean="0"/>
+              <a:t>) </a:t>
+            </a:r>
+            <a:r>
+              <a:rPr lang="en-US" dirty="0"/>
+              <a:t>peak </a:t>
+            </a:r>
+            <a:r>
+              <a:rPr lang="en-US" dirty="0" smtClean="0"/>
+              <a:t>performance. </a:t>
+            </a:r>
+            <a:r>
+              <a:rPr lang="en-US" dirty="0"/>
+              <a:t> </a:t>
+            </a:r>
+            <a:endParaRPr lang="en-US" dirty="0" smtClean="0"/>
+          </a:p>
+          <a:p>
+            <a:r>
+              <a:rPr lang="en-US" spc="-85" dirty="0" smtClean="0">
+                <a:cs typeface="Georgia"/>
+              </a:rPr>
+              <a:t>4 </a:t>
+            </a:r>
+            <a:r>
+              <a:rPr lang="en-US" spc="-105" dirty="0">
+                <a:cs typeface="Georgia"/>
+              </a:rPr>
+              <a:t>GB </a:t>
+            </a:r>
+            <a:r>
+              <a:rPr lang="en-US" spc="-40" dirty="0">
+                <a:cs typeface="Georgia"/>
+              </a:rPr>
+              <a:t>main</a:t>
+            </a:r>
+            <a:r>
+              <a:rPr lang="en-US" spc="210" dirty="0">
+                <a:cs typeface="Georgia"/>
+              </a:rPr>
+              <a:t> </a:t>
+            </a:r>
+            <a:r>
+              <a:rPr lang="en-US" spc="-30" dirty="0" smtClean="0">
+                <a:cs typeface="Georgia"/>
+              </a:rPr>
+              <a:t>memory</a:t>
+            </a:r>
+            <a:r>
+              <a:rPr lang="en-US" spc="-30" dirty="0" smtClean="0">
+                <a:latin typeface="Georgia"/>
+                <a:cs typeface="Georgia"/>
+              </a:rPr>
+              <a:t>.</a:t>
+            </a:r>
+          </a:p>
+          <a:p>
+            <a:r>
+              <a:rPr lang="en-US" spc="-145" dirty="0">
+                <a:latin typeface="Georgia"/>
+                <a:cs typeface="Georgia"/>
+              </a:rPr>
+              <a:t>8 </a:t>
+            </a:r>
+            <a:r>
+              <a:rPr lang="en-US" spc="-85" dirty="0">
+                <a:latin typeface="Georgia"/>
+                <a:cs typeface="Georgia"/>
+              </a:rPr>
+              <a:t>K </a:t>
+            </a:r>
+            <a:r>
+              <a:rPr lang="en-US" spc="-25" dirty="0">
+                <a:latin typeface="Georgia"/>
+                <a:cs typeface="Georgia"/>
+              </a:rPr>
+              <a:t>byte </a:t>
+            </a:r>
+            <a:r>
+              <a:rPr lang="en-US" spc="-15" dirty="0">
+                <a:latin typeface="Georgia"/>
+                <a:cs typeface="Georgia"/>
+              </a:rPr>
+              <a:t>cache </a:t>
+            </a:r>
+            <a:r>
+              <a:rPr lang="en-US" spc="-10" dirty="0">
+                <a:latin typeface="Georgia"/>
+                <a:cs typeface="Georgia"/>
+              </a:rPr>
+              <a:t>on </a:t>
+            </a:r>
+            <a:r>
+              <a:rPr lang="en-US" spc="-15" dirty="0">
+                <a:latin typeface="Georgia"/>
+                <a:cs typeface="Georgia"/>
+              </a:rPr>
+              <a:t>one</a:t>
+            </a:r>
+            <a:r>
+              <a:rPr lang="en-US" spc="-35" dirty="0">
+                <a:latin typeface="Georgia"/>
+                <a:cs typeface="Georgia"/>
+              </a:rPr>
+              <a:t> </a:t>
+            </a:r>
+            <a:r>
+              <a:rPr lang="en-US" spc="-30" dirty="0" smtClean="0">
+                <a:latin typeface="Georgia"/>
+                <a:cs typeface="Georgia"/>
+              </a:rPr>
+              <a:t>package.</a:t>
+            </a:r>
+            <a:endParaRPr lang="en-US" dirty="0">
+              <a:latin typeface="Georgia"/>
+              <a:cs typeface="Georgia"/>
+            </a:endParaRPr>
+          </a:p>
+          <a:p>
+            <a:pPr marL="0" indent="0">
+              <a:buNone/>
+            </a:pPr>
+            <a:endParaRPr lang="en-US" spc="-30" dirty="0" smtClean="0">
+              <a:latin typeface="Georgia"/>
+              <a:cs typeface="Georgia"/>
+            </a:endParaRPr>
+          </a:p>
+          <a:p>
+            <a:pPr marL="0" indent="0">
+              <a:buNone/>
+            </a:pPr>
+            <a:endParaRPr lang="en-US" dirty="0">
+              <a:latin typeface="Georgia"/>
+              <a:cs typeface="Georgia"/>
+            </a:endParaRPr>
+          </a:p>
+          <a:p>
+            <a:pPr marL="0" indent="0">
+              <a:buNone/>
+            </a:pPr>
+            <a:endParaRPr lang="en-US" dirty="0" smtClean="0"/>
+          </a:p>
+          <a:p>
             <a:pPr marL="0" indent="0">
               <a:buNone/>
             </a:pPr>
@@ -3492,6 +3903,1037 @@
 </p:sld>
 </file>
 
+<file path=ppt/slides/slide13.xml><?xml version="1.0" encoding="utf-8"?>
+<p:sld xmlns:a="http://schemas.openxmlformats.org/drawingml/2006/main" xmlns:r="http://schemas.openxmlformats.org/officeDocument/2006/relationships" xmlns:p="http://schemas.openxmlformats.org/presentationml/2006/main">
+  <p:cSld>
+    <p:spTree>
+      <p:nvGrpSpPr>
+        <p:cNvPr id="1" name=""/>
+        <p:cNvGrpSpPr/>
+        <p:nvPr/>
+      </p:nvGrpSpPr>
+      <p:grpSpPr>
+        <a:xfrm>
+          <a:off x="0" y="0"/>
+          <a:ext cx="0" cy="0"/>
+          <a:chOff x="0" y="0"/>
+          <a:chExt cx="0" cy="0"/>
+        </a:xfrm>
+      </p:grpSpPr>
+      <p:sp>
+        <p:nvSpPr>
+          <p:cNvPr id="2" name="Title 1"/>
+          <p:cNvSpPr>
+            <a:spLocks noGrp="1"/>
+          </p:cNvSpPr>
+          <p:nvPr>
+            <p:ph type="title"/>
+          </p:nvPr>
+        </p:nvSpPr>
+        <p:spPr/>
+        <p:txBody>
+          <a:bodyPr>
+            <a:normAutofit/>
+          </a:bodyPr>
+          <a:lstStyle/>
+          <a:p>
+            <a:r>
+              <a:rPr lang="en-US" sz="6000" b="1" dirty="0" smtClean="0"/>
+              <a:t>              Pentium(1993)</a:t>
+            </a:r>
+            <a:endParaRPr lang="en-US" sz="6000" b="1" dirty="0"/>
+          </a:p>
+        </p:txBody>
+      </p:sp>
+      <p:sp>
+        <p:nvSpPr>
+          <p:cNvPr id="3" name="Content Placeholder 2"/>
+          <p:cNvSpPr>
+            <a:spLocks noGrp="1"/>
+          </p:cNvSpPr>
+          <p:nvPr>
+            <p:ph sz="half" idx="1"/>
+          </p:nvPr>
+        </p:nvSpPr>
+        <p:spPr/>
+        <p:txBody>
+          <a:bodyPr/>
+          <a:lstStyle/>
+          <a:p>
+            <a:pPr marL="0" indent="0">
+              <a:buNone/>
+            </a:pPr>
+            <a:r>
+              <a:rPr lang="en-US" dirty="0"/>
+              <a:t> 32-bit </a:t>
+            </a:r>
+            <a:r>
+              <a:rPr lang="en-US" dirty="0" smtClean="0"/>
+              <a:t>microprocessor</a:t>
+            </a:r>
+          </a:p>
+          <a:p>
+            <a:pPr marL="0" indent="0">
+              <a:buNone/>
+            </a:pPr>
+            <a:r>
+              <a:rPr lang="en-US" dirty="0"/>
+              <a:t>C</a:t>
+            </a:r>
+            <a:r>
+              <a:rPr lang="en-US" dirty="0" smtClean="0"/>
+              <a:t>lock </a:t>
+            </a:r>
+            <a:r>
+              <a:rPr lang="en-US" dirty="0"/>
+              <a:t>frequency of either 60 or 66 </a:t>
+            </a:r>
+            <a:r>
+              <a:rPr lang="en-US" dirty="0" smtClean="0"/>
+              <a:t>MHz</a:t>
+            </a:r>
+          </a:p>
+          <a:p>
+            <a:pPr marL="0" indent="0">
+              <a:buNone/>
+            </a:pPr>
+            <a:r>
+              <a:rPr lang="en-US" dirty="0"/>
+              <a:t>3.1 million </a:t>
+            </a:r>
+            <a:r>
+              <a:rPr lang="en-US" dirty="0" smtClean="0"/>
+              <a:t>transistors</a:t>
+            </a:r>
+          </a:p>
+          <a:p>
+            <a:pPr marL="0" indent="0">
+              <a:buNone/>
+            </a:pPr>
+            <a:r>
+              <a:rPr lang="en-US" dirty="0"/>
+              <a:t>64-Bit </a:t>
+            </a:r>
+            <a:r>
+              <a:rPr lang="en-US" dirty="0" smtClean="0"/>
+              <a:t>Bus &amp; </a:t>
+            </a:r>
+            <a:r>
+              <a:rPr lang="en-US" spc="-80" dirty="0" smtClean="0">
+                <a:cs typeface="Georgia"/>
+              </a:rPr>
+              <a:t>32-</a:t>
+            </a:r>
+            <a:r>
+              <a:rPr lang="en-US" spc="-80" dirty="0" smtClean="0">
+                <a:latin typeface="Georgia"/>
+                <a:cs typeface="Georgia"/>
+              </a:rPr>
+              <a:t>bit  </a:t>
+            </a:r>
+            <a:r>
+              <a:rPr lang="en-US" spc="-50" dirty="0">
+                <a:latin typeface="Georgia"/>
+                <a:cs typeface="Georgia"/>
+              </a:rPr>
+              <a:t>address</a:t>
+            </a:r>
+            <a:r>
+              <a:rPr lang="en-US" spc="-30" dirty="0">
+                <a:latin typeface="Georgia"/>
+                <a:cs typeface="Georgia"/>
+              </a:rPr>
+              <a:t> </a:t>
+            </a:r>
+            <a:r>
+              <a:rPr lang="en-US" spc="-35" dirty="0" smtClean="0">
+                <a:latin typeface="Georgia"/>
+                <a:cs typeface="Georgia"/>
+              </a:rPr>
+              <a:t>bus</a:t>
+            </a:r>
+          </a:p>
+          <a:p>
+            <a:pPr marL="0" indent="0">
+              <a:buNone/>
+            </a:pPr>
+            <a:r>
+              <a:rPr lang="en-US" spc="-85" dirty="0">
+                <a:cs typeface="Georgia"/>
+              </a:rPr>
+              <a:t>4 </a:t>
+            </a:r>
+            <a:r>
+              <a:rPr lang="en-US" spc="-105" dirty="0">
+                <a:cs typeface="Georgia"/>
+              </a:rPr>
+              <a:t>GB </a:t>
+            </a:r>
+            <a:r>
+              <a:rPr lang="en-US" spc="-40" dirty="0">
+                <a:cs typeface="Georgia"/>
+              </a:rPr>
+              <a:t>main</a:t>
+            </a:r>
+            <a:r>
+              <a:rPr lang="en-US" spc="210" dirty="0">
+                <a:cs typeface="Georgia"/>
+              </a:rPr>
+              <a:t> </a:t>
+            </a:r>
+            <a:r>
+              <a:rPr lang="en-US" spc="-25" dirty="0" smtClean="0">
+                <a:cs typeface="Georgia"/>
+              </a:rPr>
+              <a:t>memory</a:t>
+            </a:r>
+          </a:p>
+          <a:p>
+            <a:pPr marL="0" indent="0">
+              <a:buNone/>
+            </a:pPr>
+            <a:endParaRPr lang="en-US" dirty="0">
+              <a:cs typeface="Georgia"/>
+            </a:endParaRPr>
+          </a:p>
+          <a:p>
+            <a:pPr marL="0" indent="0">
+              <a:buNone/>
+            </a:pPr>
+            <a:endParaRPr lang="en-US" dirty="0">
+              <a:latin typeface="Georgia"/>
+              <a:cs typeface="Georgia"/>
+            </a:endParaRPr>
+          </a:p>
+          <a:p>
+            <a:pPr marL="0" indent="0">
+              <a:buNone/>
+            </a:pPr>
+            <a:endParaRPr lang="en-US" dirty="0" smtClean="0"/>
+          </a:p>
+          <a:p>
+            <a:pPr marL="0" indent="0">
+              <a:buNone/>
+            </a:pPr>
+            <a:endParaRPr lang="en-US" dirty="0"/>
+          </a:p>
+          <a:p>
+            <a:pPr marL="0" indent="0">
+              <a:buNone/>
+            </a:pPr>
+            <a:endParaRPr lang="en-US" dirty="0"/>
+          </a:p>
+        </p:txBody>
+      </p:sp>
+      <p:pic>
+        <p:nvPicPr>
+          <p:cNvPr id="5" name="Content Placeholder 4"/>
+          <p:cNvPicPr>
+            <a:picLocks noGrp="1" noChangeAspect="1"/>
+          </p:cNvPicPr>
+          <p:nvPr>
+            <p:ph sz="half" idx="2"/>
+          </p:nvPr>
+        </p:nvPicPr>
+        <p:blipFill>
+          <a:blip r:embed="rId2"/>
+          <a:stretch>
+            <a:fillRect/>
+          </a:stretch>
+        </p:blipFill>
+        <p:spPr>
+          <a:xfrm>
+            <a:off x="8076864" y="1825625"/>
+            <a:ext cx="4115136" cy="4124414"/>
+          </a:xfrm>
+          <a:prstGeom prst="rect">
+            <a:avLst/>
+          </a:prstGeom>
+        </p:spPr>
+      </p:pic>
+    </p:spTree>
+    <p:extLst>
+      <p:ext uri="{BB962C8B-B14F-4D97-AF65-F5344CB8AC3E}">
+        <p14:creationId xmlns:p14="http://schemas.microsoft.com/office/powerpoint/2010/main" val="4116181378"/>
+      </p:ext>
+    </p:extLst>
+  </p:cSld>
+  <p:clrMapOvr>
+    <a:masterClrMapping/>
+  </p:clrMapOvr>
+</p:sld>
+</file>
+
+<file path=ppt/slides/slide14.xml><?xml version="1.0" encoding="utf-8"?>
+<p:sld xmlns:a="http://schemas.openxmlformats.org/drawingml/2006/main" xmlns:r="http://schemas.openxmlformats.org/officeDocument/2006/relationships" xmlns:p="http://schemas.openxmlformats.org/presentationml/2006/main">
+  <p:cSld>
+    <p:spTree>
+      <p:nvGrpSpPr>
+        <p:cNvPr id="1" name=""/>
+        <p:cNvGrpSpPr/>
+        <p:nvPr/>
+      </p:nvGrpSpPr>
+      <p:grpSpPr>
+        <a:xfrm>
+          <a:off x="0" y="0"/>
+          <a:ext cx="0" cy="0"/>
+          <a:chOff x="0" y="0"/>
+          <a:chExt cx="0" cy="0"/>
+        </a:xfrm>
+      </p:grpSpPr>
+      <p:sp>
+        <p:nvSpPr>
+          <p:cNvPr id="2" name="Title 1"/>
+          <p:cNvSpPr>
+            <a:spLocks noGrp="1"/>
+          </p:cNvSpPr>
+          <p:nvPr>
+            <p:ph type="title"/>
+          </p:nvPr>
+        </p:nvSpPr>
+        <p:spPr/>
+        <p:txBody>
+          <a:bodyPr>
+            <a:normAutofit/>
+          </a:bodyPr>
+          <a:lstStyle/>
+          <a:p>
+            <a:r>
+              <a:rPr lang="en-US" sz="6000" b="1" dirty="0" smtClean="0"/>
+              <a:t>                    Pentium </a:t>
+            </a:r>
+            <a:r>
+              <a:rPr lang="en-US" sz="6000" b="1" dirty="0" smtClean="0"/>
+              <a:t>Pro (1995)</a:t>
+            </a:r>
+            <a:endParaRPr lang="en-US" sz="6000" b="1" dirty="0"/>
+          </a:p>
+        </p:txBody>
+      </p:sp>
+      <p:sp>
+        <p:nvSpPr>
+          <p:cNvPr id="3" name="Content Placeholder 2"/>
+          <p:cNvSpPr>
+            <a:spLocks noGrp="1"/>
+          </p:cNvSpPr>
+          <p:nvPr>
+            <p:ph sz="half" idx="1"/>
+          </p:nvPr>
+        </p:nvSpPr>
+        <p:spPr>
+          <a:xfrm>
+            <a:off x="52588" y="1825625"/>
+            <a:ext cx="6850487" cy="4858510"/>
+          </a:xfrm>
+        </p:spPr>
+        <p:txBody>
+          <a:bodyPr/>
+          <a:lstStyle/>
+          <a:p>
+            <a:pPr marL="405765" lvl="1" indent="0">
+              <a:lnSpc>
+                <a:spcPct val="100000"/>
+              </a:lnSpc>
+              <a:spcBef>
+                <a:spcPts val="20"/>
+              </a:spcBef>
+              <a:buClr>
+                <a:srgbClr val="0E6EC5"/>
+              </a:buClr>
+              <a:buSzPct val="85416"/>
+              <a:buNone/>
+              <a:tabLst>
+                <a:tab pos="727075" algn="l"/>
+                <a:tab pos="728345" algn="l"/>
+              </a:tabLst>
+            </a:pPr>
+            <a:r>
+              <a:rPr lang="en-US" spc="-80" dirty="0" smtClean="0">
+                <a:cs typeface="Georgia"/>
+              </a:rPr>
+              <a:t>32-bit </a:t>
+            </a:r>
+            <a:r>
+              <a:rPr lang="en-US" spc="-50" dirty="0">
+                <a:cs typeface="Georgia"/>
+              </a:rPr>
+              <a:t>microprocessor, </a:t>
+            </a:r>
+            <a:r>
+              <a:rPr lang="en-US" spc="-40" dirty="0">
+                <a:cs typeface="Georgia"/>
+              </a:rPr>
+              <a:t>formerly </a:t>
+            </a:r>
+            <a:r>
+              <a:rPr lang="en-US" spc="-30" dirty="0">
+                <a:cs typeface="Georgia"/>
+              </a:rPr>
+              <a:t>code-named</a:t>
+            </a:r>
+            <a:r>
+              <a:rPr lang="en-US" spc="85" dirty="0">
+                <a:cs typeface="Georgia"/>
+              </a:rPr>
+              <a:t> </a:t>
+            </a:r>
+            <a:r>
+              <a:rPr lang="en-US" spc="-65" dirty="0" smtClean="0">
+                <a:cs typeface="Georgia"/>
+              </a:rPr>
+              <a:t>P6</a:t>
+            </a:r>
+          </a:p>
+          <a:p>
+            <a:pPr marL="405765" marR="810260" lvl="1" indent="0">
+              <a:lnSpc>
+                <a:spcPts val="2310"/>
+              </a:lnSpc>
+              <a:spcBef>
+                <a:spcPts val="550"/>
+              </a:spcBef>
+              <a:buClr>
+                <a:srgbClr val="0E6EC5"/>
+              </a:buClr>
+              <a:buSzPct val="85416"/>
+              <a:buNone/>
+              <a:tabLst>
+                <a:tab pos="727075" algn="l"/>
+                <a:tab pos="728345" algn="l"/>
+              </a:tabLst>
+            </a:pPr>
+            <a:r>
+              <a:rPr lang="en-US" spc="-90" dirty="0">
+                <a:latin typeface="Georgia"/>
+                <a:cs typeface="Georgia"/>
+              </a:rPr>
+              <a:t>64 </a:t>
+            </a:r>
+            <a:r>
+              <a:rPr lang="en-US" spc="-100" dirty="0">
+                <a:latin typeface="Georgia"/>
+                <a:cs typeface="Georgia"/>
+              </a:rPr>
+              <a:t>GB </a:t>
+            </a:r>
+            <a:r>
+              <a:rPr lang="en-US" spc="-40" dirty="0">
+                <a:latin typeface="Georgia"/>
+                <a:cs typeface="Georgia"/>
+              </a:rPr>
+              <a:t>main </a:t>
+            </a:r>
+            <a:r>
+              <a:rPr lang="en-US" spc="-60" dirty="0">
+                <a:latin typeface="Georgia"/>
+                <a:cs typeface="Georgia"/>
+              </a:rPr>
+              <a:t>memory, </a:t>
+            </a:r>
+            <a:r>
+              <a:rPr lang="en-US" spc="-40" dirty="0">
+                <a:latin typeface="Georgia"/>
+                <a:cs typeface="Georgia"/>
+              </a:rPr>
+              <a:t>64-bit </a:t>
+            </a:r>
+            <a:r>
+              <a:rPr lang="en-US" spc="-35" dirty="0">
+                <a:latin typeface="Georgia"/>
+                <a:cs typeface="Georgia"/>
+              </a:rPr>
+              <a:t>data bus and </a:t>
+            </a:r>
+            <a:r>
+              <a:rPr lang="en-US" spc="-60" dirty="0">
+                <a:latin typeface="Georgia"/>
+                <a:cs typeface="Georgia"/>
+              </a:rPr>
+              <a:t>36-bit  </a:t>
+            </a:r>
+            <a:r>
+              <a:rPr lang="en-US" spc="-50" dirty="0">
+                <a:latin typeface="Georgia"/>
+                <a:cs typeface="Georgia"/>
+              </a:rPr>
+              <a:t>address</a:t>
+            </a:r>
+            <a:r>
+              <a:rPr lang="en-US" spc="-30" dirty="0">
+                <a:latin typeface="Georgia"/>
+                <a:cs typeface="Georgia"/>
+              </a:rPr>
+              <a:t> </a:t>
+            </a:r>
+            <a:r>
+              <a:rPr lang="en-US" spc="-35" dirty="0">
+                <a:latin typeface="Georgia"/>
+                <a:cs typeface="Georgia"/>
+              </a:rPr>
+              <a:t>bus</a:t>
+            </a:r>
+            <a:endParaRPr lang="en-US" dirty="0">
+              <a:latin typeface="Georgia"/>
+              <a:cs typeface="Georgia"/>
+            </a:endParaRPr>
+          </a:p>
+          <a:p>
+            <a:pPr marL="405765" marR="5080" lvl="1" indent="0">
+              <a:lnSpc>
+                <a:spcPts val="2300"/>
+              </a:lnSpc>
+              <a:spcBef>
+                <a:spcPts val="575"/>
+              </a:spcBef>
+              <a:buClr>
+                <a:srgbClr val="0E6EC5"/>
+              </a:buClr>
+              <a:buSzPct val="85416"/>
+              <a:buNone/>
+              <a:tabLst>
+                <a:tab pos="727075" algn="l"/>
+                <a:tab pos="728345" algn="l"/>
+              </a:tabLst>
+            </a:pPr>
+            <a:r>
+              <a:rPr lang="en-US" spc="-170" dirty="0">
+                <a:latin typeface="Georgia"/>
+                <a:cs typeface="Georgia"/>
+              </a:rPr>
+              <a:t>16 </a:t>
+            </a:r>
+            <a:r>
+              <a:rPr lang="en-US" spc="-114" dirty="0">
+                <a:latin typeface="Georgia"/>
+                <a:cs typeface="Georgia"/>
+              </a:rPr>
+              <a:t>KB </a:t>
+            </a:r>
+            <a:r>
+              <a:rPr lang="en-US" spc="-200" dirty="0">
+                <a:latin typeface="Georgia"/>
+                <a:cs typeface="Georgia"/>
+              </a:rPr>
+              <a:t>L1 </a:t>
+            </a:r>
+            <a:r>
+              <a:rPr lang="en-US" spc="-15" dirty="0">
+                <a:latin typeface="Georgia"/>
+                <a:cs typeface="Georgia"/>
+              </a:rPr>
+              <a:t>cache </a:t>
+            </a:r>
+            <a:r>
+              <a:rPr lang="en-US" spc="-25" dirty="0">
+                <a:latin typeface="Georgia"/>
+                <a:cs typeface="Georgia"/>
+              </a:rPr>
+              <a:t>(split </a:t>
+            </a:r>
+            <a:r>
+              <a:rPr lang="en-US" spc="-40" dirty="0">
+                <a:latin typeface="Georgia"/>
+                <a:cs typeface="Georgia"/>
+              </a:rPr>
+              <a:t>instruction/data: </a:t>
+            </a:r>
+            <a:r>
+              <a:rPr lang="en-US" spc="-145" dirty="0">
+                <a:latin typeface="Georgia"/>
+                <a:cs typeface="Georgia"/>
+              </a:rPr>
+              <a:t>8 </a:t>
+            </a:r>
+            <a:r>
+              <a:rPr lang="en-US" spc="-114" dirty="0">
+                <a:latin typeface="Georgia"/>
+                <a:cs typeface="Georgia"/>
+              </a:rPr>
+              <a:t>KB </a:t>
+            </a:r>
+            <a:r>
+              <a:rPr lang="en-US" spc="-20" dirty="0">
+                <a:latin typeface="Georgia"/>
+                <a:cs typeface="Georgia"/>
+              </a:rPr>
+              <a:t>each), </a:t>
+            </a:r>
+            <a:r>
+              <a:rPr lang="en-US" spc="-140" dirty="0">
+                <a:latin typeface="Georgia"/>
+                <a:cs typeface="Georgia"/>
+              </a:rPr>
+              <a:t>256  </a:t>
+            </a:r>
+            <a:r>
+              <a:rPr lang="en-US" spc="-114" dirty="0">
+                <a:latin typeface="Georgia"/>
+                <a:cs typeface="Georgia"/>
+              </a:rPr>
+              <a:t>KB </a:t>
+            </a:r>
+            <a:r>
+              <a:rPr lang="en-US" spc="-155" dirty="0">
+                <a:latin typeface="Georgia"/>
+                <a:cs typeface="Georgia"/>
+              </a:rPr>
+              <a:t>L2</a:t>
+            </a:r>
+            <a:r>
+              <a:rPr lang="en-US" spc="100" dirty="0">
+                <a:latin typeface="Georgia"/>
+                <a:cs typeface="Georgia"/>
+              </a:rPr>
+              <a:t> </a:t>
+            </a:r>
+            <a:r>
+              <a:rPr lang="en-US" spc="-15" dirty="0" smtClean="0">
+                <a:latin typeface="Georgia"/>
+                <a:cs typeface="Georgia"/>
+              </a:rPr>
+              <a:t>cache</a:t>
+            </a:r>
+          </a:p>
+          <a:p>
+            <a:pPr marL="405765" marR="5080" lvl="1" indent="0">
+              <a:lnSpc>
+                <a:spcPts val="2300"/>
+              </a:lnSpc>
+              <a:spcBef>
+                <a:spcPts val="575"/>
+              </a:spcBef>
+              <a:buClr>
+                <a:srgbClr val="0E6EC5"/>
+              </a:buClr>
+              <a:buSzPct val="85416"/>
+              <a:buNone/>
+              <a:tabLst>
+                <a:tab pos="727075" algn="l"/>
+                <a:tab pos="728345" algn="l"/>
+              </a:tabLst>
+            </a:pPr>
+            <a:endParaRPr lang="en-US" dirty="0">
+              <a:latin typeface="Georgia"/>
+              <a:cs typeface="Georgia"/>
+            </a:endParaRPr>
+          </a:p>
+          <a:p>
+            <a:pPr marL="405765" lvl="1" indent="0">
+              <a:lnSpc>
+                <a:spcPct val="100000"/>
+              </a:lnSpc>
+              <a:spcBef>
+                <a:spcPts val="20"/>
+              </a:spcBef>
+              <a:buClr>
+                <a:srgbClr val="0E6EC5"/>
+              </a:buClr>
+              <a:buSzPct val="85416"/>
+              <a:buNone/>
+              <a:tabLst>
+                <a:tab pos="727075" algn="l"/>
+                <a:tab pos="728345" algn="l"/>
+              </a:tabLst>
+            </a:pPr>
+            <a:endParaRPr lang="en-US" spc="-65" dirty="0" smtClean="0">
+              <a:cs typeface="Georgia"/>
+            </a:endParaRPr>
+          </a:p>
+          <a:p>
+            <a:pPr marL="748665" lvl="1" indent="-342900">
+              <a:lnSpc>
+                <a:spcPct val="100000"/>
+              </a:lnSpc>
+              <a:spcBef>
+                <a:spcPts val="20"/>
+              </a:spcBef>
+              <a:buClr>
+                <a:srgbClr val="0E6EC5"/>
+              </a:buClr>
+              <a:buSzPct val="85416"/>
+              <a:tabLst>
+                <a:tab pos="727075" algn="l"/>
+                <a:tab pos="728345" algn="l"/>
+              </a:tabLst>
+            </a:pPr>
+            <a:endParaRPr lang="en-US" dirty="0">
+              <a:cs typeface="Georgia"/>
+            </a:endParaRPr>
+          </a:p>
+          <a:p>
+            <a:pPr marL="405765" lvl="1" indent="0">
+              <a:lnSpc>
+                <a:spcPct val="100000"/>
+              </a:lnSpc>
+              <a:spcBef>
+                <a:spcPts val="20"/>
+              </a:spcBef>
+              <a:buClr>
+                <a:srgbClr val="0E6EC5"/>
+              </a:buClr>
+              <a:buSzPct val="85416"/>
+              <a:buNone/>
+              <a:tabLst>
+                <a:tab pos="727075" algn="l"/>
+                <a:tab pos="728345" algn="l"/>
+              </a:tabLst>
+            </a:pPr>
+            <a:endParaRPr lang="en-US" dirty="0"/>
+          </a:p>
+        </p:txBody>
+      </p:sp>
+      <p:pic>
+        <p:nvPicPr>
+          <p:cNvPr id="5" name="Content Placeholder 4"/>
+          <p:cNvPicPr>
+            <a:picLocks noGrp="1" noChangeAspect="1"/>
+          </p:cNvPicPr>
+          <p:nvPr>
+            <p:ph sz="half" idx="2"/>
+          </p:nvPr>
+        </p:nvPicPr>
+        <p:blipFill>
+          <a:blip r:embed="rId2"/>
+          <a:stretch>
+            <a:fillRect/>
+          </a:stretch>
+        </p:blipFill>
+        <p:spPr>
+          <a:xfrm>
+            <a:off x="8371134" y="2034946"/>
+            <a:ext cx="3820866" cy="3932696"/>
+          </a:xfrm>
+          <a:prstGeom prst="rect">
+            <a:avLst/>
+          </a:prstGeom>
+        </p:spPr>
+      </p:pic>
+    </p:spTree>
+    <p:extLst>
+      <p:ext uri="{BB962C8B-B14F-4D97-AF65-F5344CB8AC3E}">
+        <p14:creationId xmlns:p14="http://schemas.microsoft.com/office/powerpoint/2010/main" val="2379816566"/>
+      </p:ext>
+    </p:extLst>
+  </p:cSld>
+  <p:clrMapOvr>
+    <a:masterClrMapping/>
+  </p:clrMapOvr>
+</p:sld>
+</file>
+
+<file path=ppt/slides/slide15.xml><?xml version="1.0" encoding="utf-8"?>
+<p:sld xmlns:a="http://schemas.openxmlformats.org/drawingml/2006/main" xmlns:r="http://schemas.openxmlformats.org/officeDocument/2006/relationships" xmlns:p="http://schemas.openxmlformats.org/presentationml/2006/main">
+  <p:cSld>
+    <p:spTree>
+      <p:nvGrpSpPr>
+        <p:cNvPr id="1" name=""/>
+        <p:cNvGrpSpPr/>
+        <p:nvPr/>
+      </p:nvGrpSpPr>
+      <p:grpSpPr>
+        <a:xfrm>
+          <a:off x="0" y="0"/>
+          <a:ext cx="0" cy="0"/>
+          <a:chOff x="0" y="0"/>
+          <a:chExt cx="0" cy="0"/>
+        </a:xfrm>
+      </p:grpSpPr>
+      <p:sp>
+        <p:nvSpPr>
+          <p:cNvPr id="2" name="Title 1"/>
+          <p:cNvSpPr>
+            <a:spLocks noGrp="1"/>
+          </p:cNvSpPr>
+          <p:nvPr>
+            <p:ph type="title"/>
+          </p:nvPr>
+        </p:nvSpPr>
+        <p:spPr/>
+        <p:txBody>
+          <a:bodyPr>
+            <a:normAutofit/>
+          </a:bodyPr>
+          <a:lstStyle/>
+          <a:p>
+            <a:r>
+              <a:rPr lang="en-US" sz="6000" b="1" dirty="0" smtClean="0"/>
+              <a:t>Pentium II (1995)</a:t>
+            </a:r>
+            <a:endParaRPr lang="en-US" sz="6000" b="1" dirty="0"/>
+          </a:p>
+        </p:txBody>
+      </p:sp>
+      <p:sp>
+        <p:nvSpPr>
+          <p:cNvPr id="3" name="Content Placeholder 2"/>
+          <p:cNvSpPr>
+            <a:spLocks noGrp="1"/>
+          </p:cNvSpPr>
+          <p:nvPr>
+            <p:ph sz="half" idx="1"/>
+          </p:nvPr>
+        </p:nvSpPr>
+        <p:spPr/>
+        <p:txBody>
+          <a:bodyPr/>
+          <a:lstStyle/>
+          <a:p>
+            <a:pPr marL="0" indent="0">
+              <a:buNone/>
+            </a:pPr>
+            <a:endParaRPr lang="en-US" dirty="0"/>
+          </a:p>
+        </p:txBody>
+      </p:sp>
+      <p:pic>
+        <p:nvPicPr>
+          <p:cNvPr id="5" name="Content Placeholder 4"/>
+          <p:cNvPicPr>
+            <a:picLocks noGrp="1" noChangeAspect="1"/>
+          </p:cNvPicPr>
+          <p:nvPr>
+            <p:ph sz="half" idx="2"/>
+          </p:nvPr>
+        </p:nvPicPr>
+        <p:blipFill>
+          <a:blip r:embed="rId2"/>
+          <a:stretch>
+            <a:fillRect/>
+          </a:stretch>
+        </p:blipFill>
+        <p:spPr>
+          <a:xfrm>
+            <a:off x="7482626" y="1825625"/>
+            <a:ext cx="4572000" cy="4240324"/>
+          </a:xfrm>
+          <a:prstGeom prst="rect">
+            <a:avLst/>
+          </a:prstGeom>
+        </p:spPr>
+      </p:pic>
+    </p:spTree>
+    <p:extLst>
+      <p:ext uri="{BB962C8B-B14F-4D97-AF65-F5344CB8AC3E}">
+        <p14:creationId xmlns:p14="http://schemas.microsoft.com/office/powerpoint/2010/main" val="1750639868"/>
+      </p:ext>
+    </p:extLst>
+  </p:cSld>
+  <p:clrMapOvr>
+    <a:masterClrMapping/>
+  </p:clrMapOvr>
+</p:sld>
+</file>
+
+<file path=ppt/slides/slide16.xml><?xml version="1.0" encoding="utf-8"?>
+<p:sld xmlns:a="http://schemas.openxmlformats.org/drawingml/2006/main" xmlns:r="http://schemas.openxmlformats.org/officeDocument/2006/relationships" xmlns:p="http://schemas.openxmlformats.org/presentationml/2006/main">
+  <p:cSld>
+    <p:spTree>
+      <p:nvGrpSpPr>
+        <p:cNvPr id="1" name=""/>
+        <p:cNvGrpSpPr/>
+        <p:nvPr/>
+      </p:nvGrpSpPr>
+      <p:grpSpPr>
+        <a:xfrm>
+          <a:off x="0" y="0"/>
+          <a:ext cx="0" cy="0"/>
+          <a:chOff x="0" y="0"/>
+          <a:chExt cx="0" cy="0"/>
+        </a:xfrm>
+      </p:grpSpPr>
+      <p:sp>
+        <p:nvSpPr>
+          <p:cNvPr id="2" name="Title 1"/>
+          <p:cNvSpPr>
+            <a:spLocks noGrp="1"/>
+          </p:cNvSpPr>
+          <p:nvPr>
+            <p:ph type="title"/>
+          </p:nvPr>
+        </p:nvSpPr>
+        <p:spPr/>
+        <p:txBody>
+          <a:bodyPr>
+            <a:normAutofit/>
+          </a:bodyPr>
+          <a:lstStyle/>
+          <a:p>
+            <a:r>
+              <a:rPr lang="en-US" sz="6000" b="1" dirty="0" smtClean="0"/>
+              <a:t>            Pentium III (1999)</a:t>
+            </a:r>
+            <a:endParaRPr lang="en-US" sz="6000" b="1" dirty="0"/>
+          </a:p>
+        </p:txBody>
+      </p:sp>
+      <p:sp>
+        <p:nvSpPr>
+          <p:cNvPr id="3" name="Content Placeholder 2"/>
+          <p:cNvSpPr>
+            <a:spLocks noGrp="1"/>
+          </p:cNvSpPr>
+          <p:nvPr>
+            <p:ph sz="half" idx="1"/>
+          </p:nvPr>
+        </p:nvSpPr>
+        <p:spPr>
+          <a:xfrm>
+            <a:off x="838199" y="1825625"/>
+            <a:ext cx="6438363" cy="4351338"/>
+          </a:xfrm>
+        </p:spPr>
+        <p:txBody>
+          <a:bodyPr/>
+          <a:lstStyle/>
+          <a:p>
+            <a:endParaRPr lang="en-US" dirty="0"/>
+          </a:p>
+        </p:txBody>
+      </p:sp>
+      <p:pic>
+        <p:nvPicPr>
+          <p:cNvPr id="5" name="Content Placeholder 4"/>
+          <p:cNvPicPr>
+            <a:picLocks noGrp="1" noChangeAspect="1"/>
+          </p:cNvPicPr>
+          <p:nvPr>
+            <p:ph sz="half" idx="2"/>
+          </p:nvPr>
+        </p:nvPicPr>
+        <p:blipFill>
+          <a:blip r:embed="rId2"/>
+          <a:stretch>
+            <a:fillRect/>
+          </a:stretch>
+        </p:blipFill>
+        <p:spPr>
+          <a:xfrm>
+            <a:off x="7585657" y="2125014"/>
+            <a:ext cx="4606344" cy="3387144"/>
+          </a:xfrm>
+          <a:prstGeom prst="rect">
+            <a:avLst/>
+          </a:prstGeom>
+        </p:spPr>
+      </p:pic>
+    </p:spTree>
+    <p:extLst>
+      <p:ext uri="{BB962C8B-B14F-4D97-AF65-F5344CB8AC3E}">
+        <p14:creationId xmlns:p14="http://schemas.microsoft.com/office/powerpoint/2010/main" val="2296954679"/>
+      </p:ext>
+    </p:extLst>
+  </p:cSld>
+  <p:clrMapOvr>
+    <a:masterClrMapping/>
+  </p:clrMapOvr>
+</p:sld>
+</file>
+
+<file path=ppt/slides/slide17.xml><?xml version="1.0" encoding="utf-8"?>
+<p:sld xmlns:a="http://schemas.openxmlformats.org/drawingml/2006/main" xmlns:r="http://schemas.openxmlformats.org/officeDocument/2006/relationships" xmlns:p="http://schemas.openxmlformats.org/presentationml/2006/main">
+  <p:cSld>
+    <p:spTree>
+      <p:nvGrpSpPr>
+        <p:cNvPr id="1" name=""/>
+        <p:cNvGrpSpPr/>
+        <p:nvPr/>
+      </p:nvGrpSpPr>
+      <p:grpSpPr>
+        <a:xfrm>
+          <a:off x="0" y="0"/>
+          <a:ext cx="0" cy="0"/>
+          <a:chOff x="0" y="0"/>
+          <a:chExt cx="0" cy="0"/>
+        </a:xfrm>
+      </p:grpSpPr>
+      <p:sp>
+        <p:nvSpPr>
+          <p:cNvPr id="2" name="Title 1"/>
+          <p:cNvSpPr>
+            <a:spLocks noGrp="1"/>
+          </p:cNvSpPr>
+          <p:nvPr>
+            <p:ph type="title"/>
+          </p:nvPr>
+        </p:nvSpPr>
+        <p:spPr/>
+        <p:txBody>
+          <a:bodyPr>
+            <a:normAutofit/>
+          </a:bodyPr>
+          <a:lstStyle/>
+          <a:p>
+            <a:r>
+              <a:rPr lang="en-US" sz="6000" b="1" dirty="0" smtClean="0"/>
+              <a:t>           Pentium IV (2002)</a:t>
+            </a:r>
+            <a:endParaRPr lang="en-US" sz="6000" b="1" dirty="0"/>
+          </a:p>
+        </p:txBody>
+      </p:sp>
+      <p:sp>
+        <p:nvSpPr>
+          <p:cNvPr id="3" name="Content Placeholder 2"/>
+          <p:cNvSpPr>
+            <a:spLocks noGrp="1"/>
+          </p:cNvSpPr>
+          <p:nvPr>
+            <p:ph sz="half" idx="1"/>
+          </p:nvPr>
+        </p:nvSpPr>
+        <p:spPr>
+          <a:xfrm>
+            <a:off x="838199" y="1825625"/>
+            <a:ext cx="7584583" cy="4351338"/>
+          </a:xfrm>
+        </p:spPr>
+        <p:txBody>
+          <a:bodyPr/>
+          <a:lstStyle/>
+          <a:p>
+            <a:endParaRPr lang="en-US" dirty="0"/>
+          </a:p>
+        </p:txBody>
+      </p:sp>
+      <p:pic>
+        <p:nvPicPr>
+          <p:cNvPr id="5" name="Content Placeholder 4"/>
+          <p:cNvPicPr>
+            <a:picLocks noGrp="1" noChangeAspect="1"/>
+          </p:cNvPicPr>
+          <p:nvPr>
+            <p:ph sz="half" idx="2"/>
+          </p:nvPr>
+        </p:nvPicPr>
+        <p:blipFill>
+          <a:blip r:embed="rId2"/>
+          <a:stretch>
+            <a:fillRect/>
+          </a:stretch>
+        </p:blipFill>
+        <p:spPr>
+          <a:xfrm>
+            <a:off x="8991600" y="2391434"/>
+            <a:ext cx="3200400" cy="3219719"/>
+          </a:xfrm>
+          <a:prstGeom prst="rect">
+            <a:avLst/>
+          </a:prstGeom>
+        </p:spPr>
+      </p:pic>
+    </p:spTree>
+    <p:extLst>
+      <p:ext uri="{BB962C8B-B14F-4D97-AF65-F5344CB8AC3E}">
+        <p14:creationId xmlns:p14="http://schemas.microsoft.com/office/powerpoint/2010/main" val="4292368014"/>
+      </p:ext>
+    </p:extLst>
+  </p:cSld>
+  <p:clrMapOvr>
+    <a:masterClrMapping/>
+  </p:clrMapOvr>
+</p:sld>
+</file>
+
 <file path=ppt/slides/slide2.xml><?xml version="1.0" encoding="utf-8"?>
 <p:sld xmlns:a="http://schemas.openxmlformats.org/drawingml/2006/main" xmlns:r="http://schemas.openxmlformats.org/officeDocument/2006/relationships" xmlns:p="http://schemas.openxmlformats.org/presentationml/2006/main">
   <p:cSld>
@@ -3629,6 +5071,12 @@
             <a:r>
               <a:rPr lang="en-US" dirty="0" smtClean="0"/>
               <a:t>Pentium</a:t>
+            </a:r>
+          </a:p>
+          <a:p>
+            <a:r>
+              <a:rPr lang="en-US" dirty="0" smtClean="0"/>
+              <a:t>Pentium Pro</a:t>
             </a:r>
           </a:p>
           <a:p>
@@ -4520,10 +5968,148 @@
             <p:ph sz="half" idx="1"/>
           </p:nvPr>
         </p:nvSpPr>
-        <p:spPr/>
-        <p:txBody>
-          <a:bodyPr/>
-          <a:lstStyle/>
+        <p:spPr>
+          <a:xfrm>
+            <a:off x="115910" y="1825625"/>
+            <a:ext cx="5903890" cy="4351338"/>
+          </a:xfrm>
+        </p:spPr>
+        <p:txBody>
+          <a:bodyPr>
+            <a:normAutofit fontScale="77500" lnSpcReduction="20000"/>
+          </a:bodyPr>
+          <a:lstStyle/>
+          <a:p>
+            <a:r>
+              <a:rPr lang="en-US" dirty="0"/>
+              <a:t> 16-bit microprocessor</a:t>
+            </a:r>
+            <a:r>
+              <a:rPr lang="en-US" dirty="0" smtClean="0"/>
+              <a:t>.</a:t>
+            </a:r>
+          </a:p>
+          <a:p>
+            <a:r>
+              <a:rPr lang="en-US" dirty="0"/>
+              <a:t> 20-bit address bus</a:t>
+            </a:r>
+            <a:r>
+              <a:rPr lang="en-US" dirty="0" smtClean="0"/>
+              <a:t>.</a:t>
+            </a:r>
+          </a:p>
+          <a:p>
+            <a:r>
+              <a:rPr lang="en-US" dirty="0"/>
+              <a:t>8086 has an instruction queue</a:t>
+            </a:r>
+            <a:r>
+              <a:rPr lang="en-US" dirty="0" smtClean="0"/>
+              <a:t>.</a:t>
+            </a:r>
+          </a:p>
+          <a:p>
+            <a:r>
+              <a:rPr lang="en-US" dirty="0"/>
+              <a:t>8086 supports a pipelined architecture</a:t>
+            </a:r>
+            <a:r>
+              <a:rPr lang="en-US" dirty="0" smtClean="0"/>
+              <a:t>.</a:t>
+            </a:r>
+          </a:p>
+          <a:p>
+            <a:r>
+              <a:rPr lang="en-US" dirty="0"/>
+              <a:t> 29,000 transistors</a:t>
+            </a:r>
+            <a:r>
+              <a:rPr lang="en-US" dirty="0" smtClean="0"/>
+              <a:t>.</a:t>
+            </a:r>
+          </a:p>
+          <a:p>
+            <a:r>
+              <a:rPr lang="en-US" dirty="0"/>
+              <a:t>256 vectored interrupts</a:t>
+            </a:r>
+            <a:r>
+              <a:rPr lang="en-US" dirty="0" smtClean="0"/>
+              <a:t>.</a:t>
+            </a:r>
+          </a:p>
+          <a:p>
+            <a:r>
+              <a:rPr lang="en-US" dirty="0" smtClean="0"/>
+              <a:t>1 </a:t>
+            </a:r>
+            <a:r>
+              <a:rPr lang="en-US" dirty="0"/>
+              <a:t>MB </a:t>
+            </a:r>
+            <a:r>
+              <a:rPr lang="en-US" dirty="0" smtClean="0"/>
+              <a:t>RAM.</a:t>
+            </a:r>
+            <a:endParaRPr lang="en-US" dirty="0"/>
+          </a:p>
+          <a:p>
+            <a:r>
+              <a:rPr lang="en-US" dirty="0" smtClean="0"/>
+              <a:t>64K </a:t>
+            </a:r>
+            <a:r>
+              <a:rPr lang="en-US" dirty="0"/>
+              <a:t>I/O </a:t>
+            </a:r>
+            <a:r>
+              <a:rPr lang="en-US" dirty="0" smtClean="0"/>
+              <a:t>ports.</a:t>
+            </a:r>
+            <a:endParaRPr lang="en-US" dirty="0"/>
+          </a:p>
+          <a:p>
+            <a:r>
+              <a:rPr lang="en-US" dirty="0"/>
+              <a:t>40-pin </a:t>
+            </a:r>
+            <a:r>
+              <a:rPr lang="en-US" dirty="0" smtClean="0"/>
+              <a:t>DIP(Dual Inline Package).</a:t>
+            </a:r>
+            <a:endParaRPr lang="en-US" dirty="0"/>
+          </a:p>
+          <a:p>
+            <a:r>
+              <a:rPr lang="en-US" dirty="0" smtClean="0"/>
+              <a:t>56-pin QFP(</a:t>
+            </a:r>
+            <a:r>
+              <a:rPr lang="en-US" b="1" dirty="0"/>
+              <a:t>Quad Flat Package</a:t>
+            </a:r>
+            <a:r>
+              <a:rPr lang="en-US" dirty="0" smtClean="0"/>
+              <a:t>).</a:t>
+            </a:r>
+            <a:endParaRPr lang="en-US" dirty="0"/>
+          </a:p>
+          <a:p>
+            <a:r>
+              <a:rPr lang="en-US" dirty="0" smtClean="0"/>
+              <a:t>44-pin PLCC (</a:t>
+            </a:r>
+            <a:r>
+              <a:rPr lang="en-US" dirty="0"/>
+              <a:t>Power line carrier communication</a:t>
+            </a:r>
+            <a:r>
+              <a:rPr lang="en-US" dirty="0" smtClean="0"/>
+              <a:t>).</a:t>
+            </a:r>
+            <a:endParaRPr lang="en-US" dirty="0"/>
+          </a:p>
           <a:p>
             <a:pPr marL="0" indent="0">
               <a:buNone/>
@@ -4631,6 +6217,92 @@
           <a:bodyPr/>
           <a:lstStyle/>
           <a:p>
+            <a:r>
+              <a:rPr lang="en-US" dirty="0"/>
+              <a:t>8-Bit Data </a:t>
+            </a:r>
+            <a:r>
+              <a:rPr lang="en-US" dirty="0" smtClean="0"/>
+              <a:t>Bus.</a:t>
+            </a:r>
+          </a:p>
+          <a:p>
+            <a:r>
+              <a:rPr lang="en-US" dirty="0" smtClean="0"/>
+              <a:t>16-Bit </a:t>
+            </a:r>
+            <a:r>
+              <a:rPr lang="en-US" dirty="0"/>
+              <a:t>Internal </a:t>
+            </a:r>
+            <a:r>
+              <a:rPr lang="en-US" dirty="0" smtClean="0"/>
+              <a:t>Architecture.</a:t>
+            </a:r>
+          </a:p>
+          <a:p>
+            <a:r>
+              <a:rPr lang="en-US" dirty="0" smtClean="0"/>
+              <a:t>Direct </a:t>
+            </a:r>
+            <a:r>
+              <a:rPr lang="en-US" dirty="0"/>
+              <a:t>Addressing Capability to 1 </a:t>
+            </a:r>
+            <a:r>
+              <a:rPr lang="en-US" dirty="0" smtClean="0"/>
+              <a:t>MB </a:t>
+            </a:r>
+            <a:r>
+              <a:rPr lang="en-US" dirty="0"/>
+              <a:t>of Memory </a:t>
+            </a:r>
+            <a:r>
+              <a:rPr lang="en-US" dirty="0" smtClean="0"/>
+              <a:t>.</a:t>
+            </a:r>
+            <a:endParaRPr lang="en-US" dirty="0"/>
+          </a:p>
+          <a:p>
+            <a:r>
+              <a:rPr lang="en-US" dirty="0" smtClean="0"/>
+              <a:t>Direct </a:t>
+            </a:r>
+            <a:r>
+              <a:rPr lang="en-US" dirty="0"/>
+              <a:t>Software Compatibility with 8086 CPU </a:t>
+            </a:r>
+            <a:r>
+              <a:rPr lang="en-US" dirty="0" smtClean="0"/>
+              <a:t>.</a:t>
+            </a:r>
+            <a:endParaRPr lang="en-US" dirty="0"/>
+          </a:p>
+          <a:p>
+            <a:r>
+              <a:rPr lang="en-US" dirty="0" smtClean="0"/>
+              <a:t>24 </a:t>
+            </a:r>
+            <a:r>
+              <a:rPr lang="en-US" dirty="0"/>
+              <a:t>Operand Addressing </a:t>
+            </a:r>
+            <a:r>
+              <a:rPr lang="en-US" dirty="0" smtClean="0"/>
+              <a:t>Modes.</a:t>
+            </a:r>
+          </a:p>
+          <a:p>
+            <a:r>
+              <a:rPr lang="en-US" dirty="0"/>
+              <a:t>S</a:t>
+            </a:r>
+            <a:r>
+              <a:rPr lang="en-US" dirty="0" smtClean="0"/>
+              <a:t>lower clock.</a:t>
+            </a:r>
+          </a:p>
+          <a:p>
             <a:pPr marL="0" indent="0">
               <a:buNone/>
             </a:pPr>
@@ -4742,9 +6414,84 @@
           <a:bodyPr/>
           <a:lstStyle/>
           <a:p>
-            <a:pPr marL="0" indent="0">
-              <a:buNone/>
-            </a:pPr>
+            <a:r>
+              <a:rPr lang="en-US" dirty="0"/>
+              <a:t>16 – bit data </a:t>
+            </a:r>
+            <a:r>
+              <a:rPr lang="en-US" dirty="0" smtClean="0"/>
+              <a:t>bus.</a:t>
+            </a:r>
+          </a:p>
+          <a:p>
+            <a:r>
+              <a:rPr lang="en-US" dirty="0" smtClean="0"/>
+              <a:t>20-bit</a:t>
+            </a:r>
+            <a:r>
+              <a:rPr lang="en-US" dirty="0"/>
+              <a:t> </a:t>
+            </a:r>
+            <a:r>
+              <a:rPr lang="en-US" dirty="0" smtClean="0"/>
+              <a:t>address bus.</a:t>
+            </a:r>
+          </a:p>
+          <a:p>
+            <a:r>
+              <a:rPr lang="en-US" dirty="0"/>
+              <a:t>I</a:t>
+            </a:r>
+            <a:r>
+              <a:rPr lang="en-US" dirty="0" smtClean="0"/>
+              <a:t>nitial </a:t>
+            </a:r>
+            <a:r>
+              <a:rPr lang="en-US" dirty="0"/>
+              <a:t>clock rate </a:t>
+            </a:r>
+            <a:r>
+              <a:rPr lang="en-US" dirty="0" smtClean="0"/>
+              <a:t>was </a:t>
+            </a:r>
+            <a:r>
+              <a:rPr lang="en-US" dirty="0"/>
+              <a:t>6 </a:t>
+            </a:r>
+            <a:r>
+              <a:rPr lang="en-US" dirty="0" err="1" smtClean="0"/>
+              <a:t>MHz.</a:t>
+            </a:r>
+            <a:endParaRPr lang="en-US" dirty="0" smtClean="0"/>
+          </a:p>
+          <a:p>
+            <a:r>
+              <a:rPr lang="en-US" dirty="0" smtClean="0"/>
+              <a:t>256 instructions.</a:t>
+            </a:r>
+          </a:p>
+          <a:p>
+            <a:r>
+              <a:rPr lang="en-US" dirty="0" smtClean="0"/>
+              <a:t>6502 registers.</a:t>
+            </a:r>
+          </a:p>
+          <a:p>
+            <a:r>
+              <a:rPr lang="en-US" dirty="0" smtClean="0"/>
+              <a:t>Available </a:t>
+            </a:r>
+            <a:r>
+              <a:rPr lang="en-US" dirty="0"/>
+              <a:t>in 10 MHz and 8 MHz Versions. </a:t>
+            </a:r>
+            <a:endParaRPr lang="en-US" dirty="0" smtClean="0"/>
+          </a:p>
+          <a:p>
+            <a:r>
+              <a:rPr lang="en-US" dirty="0" smtClean="0"/>
+              <a:t>1 MB main memory.</a:t>
+            </a:r>
             <a:endParaRPr lang="en-US" dirty="0"/>
           </a:p>
         </p:txBody>
